--- a/Database Final Project.pptx
+++ b/Database Final Project.pptx
@@ -7,8 +7,10 @@
   <p:sldIdLst>
     <p:sldId id="256" r:id="rId2"/>
     <p:sldId id="257" r:id="rId3"/>
-    <p:sldId id="259" r:id="rId4"/>
-    <p:sldId id="260" r:id="rId5"/>
+    <p:sldId id="261" r:id="rId4"/>
+    <p:sldId id="259" r:id="rId5"/>
+    <p:sldId id="260" r:id="rId6"/>
+    <p:sldId id="262" r:id="rId7"/>
   </p:sldIdLst>
   <p:sldSz cx="12192000" cy="6858000"/>
   <p:notesSz cx="6858000" cy="9144000"/>
@@ -107,6 +109,11 @@
       </a:defRPr>
     </a:lvl9pPr>
   </p:defaultTextStyle>
+  <p:extLst>
+    <p:ext uri="{EFAFB233-063F-42B5-8137-9DF3F51BA10A}">
+      <p15:sldGuideLst xmlns:p15="http://schemas.microsoft.com/office/powerpoint/2012/main"/>
+    </p:ext>
+  </p:extLst>
 </p:presentation>
 </file>
 
@@ -856,7 +863,7 @@
             <a:fld id="{B61BEF0D-F0BB-DE4B-95CE-6DB70DBA9567}" type="datetimeFigureOut">
               <a:rPr lang="en-US" dirty="0"/>
               <a:pPr/>
-              <a:t>12/10/2017</a:t>
+              <a:t>12/12/2017</a:t>
             </a:fld>
             <a:endParaRPr lang="en-US" dirty="0"/>
           </a:p>
@@ -1104,7 +1111,7 @@
             <a:fld id="{B61BEF0D-F0BB-DE4B-95CE-6DB70DBA9567}" type="datetimeFigureOut">
               <a:rPr lang="en-US" dirty="0"/>
               <a:pPr/>
-              <a:t>12/10/2017</a:t>
+              <a:t>12/12/2017</a:t>
             </a:fld>
             <a:endParaRPr lang="en-US" dirty="0"/>
           </a:p>
@@ -1415,7 +1422,7 @@
             <a:fld id="{B61BEF0D-F0BB-DE4B-95CE-6DB70DBA9567}" type="datetimeFigureOut">
               <a:rPr lang="en-US" dirty="0"/>
               <a:pPr/>
-              <a:t>12/10/2017</a:t>
+              <a:t>12/12/2017</a:t>
             </a:fld>
             <a:endParaRPr lang="en-US" dirty="0"/>
           </a:p>
@@ -1745,7 +1752,7 @@
             <a:fld id="{B61BEF0D-F0BB-DE4B-95CE-6DB70DBA9567}" type="datetimeFigureOut">
               <a:rPr lang="en-US" dirty="0"/>
               <a:pPr/>
-              <a:t>12/10/2017</a:t>
+              <a:t>12/12/2017</a:t>
             </a:fld>
             <a:endParaRPr lang="en-US" dirty="0"/>
           </a:p>
@@ -2056,7 +2063,7 @@
             <a:fld id="{B61BEF0D-F0BB-DE4B-95CE-6DB70DBA9567}" type="datetimeFigureOut">
               <a:rPr lang="en-US" dirty="0"/>
               <a:pPr/>
-              <a:t>12/10/2017</a:t>
+              <a:t>12/12/2017</a:t>
             </a:fld>
             <a:endParaRPr lang="en-US" dirty="0"/>
           </a:p>
@@ -2446,7 +2453,7 @@
             <a:fld id="{B61BEF0D-F0BB-DE4B-95CE-6DB70DBA9567}" type="datetimeFigureOut">
               <a:rPr lang="en-US" dirty="0"/>
               <a:pPr/>
-              <a:t>12/10/2017</a:t>
+              <a:t>12/12/2017</a:t>
             </a:fld>
             <a:endParaRPr lang="en-US" dirty="0"/>
           </a:p>
@@ -2612,7 +2619,7 @@
           <a:p>
             <a:fld id="{55C6B4A9-1611-4792-9094-5F34BCA07E0B}" type="datetimeFigureOut">
               <a:rPr lang="en-US" dirty="0"/>
-              <a:t>12/10/2017</a:t>
+              <a:t>12/12/2017</a:t>
             </a:fld>
             <a:endParaRPr lang="en-US" dirty="0"/>
           </a:p>
@@ -2788,7 +2795,7 @@
             <a:fld id="{B61BEF0D-F0BB-DE4B-95CE-6DB70DBA9567}" type="datetimeFigureOut">
               <a:rPr lang="en-US" dirty="0"/>
               <a:pPr/>
-              <a:t>12/10/2017</a:t>
+              <a:t>12/12/2017</a:t>
             </a:fld>
             <a:endParaRPr lang="en-US" dirty="0"/>
           </a:p>
@@ -2954,7 +2961,7 @@
           <a:p>
             <a:fld id="{42A54C80-263E-416B-A8E0-580EDEADCBDC}" type="datetimeFigureOut">
               <a:rPr lang="en-US" dirty="0"/>
-              <a:t>12/10/2017</a:t>
+              <a:t>12/12/2017</a:t>
             </a:fld>
             <a:endParaRPr lang="en-US" dirty="0"/>
           </a:p>
@@ -3197,7 +3204,7 @@
             <a:fld id="{B61BEF0D-F0BB-DE4B-95CE-6DB70DBA9567}" type="datetimeFigureOut">
               <a:rPr lang="en-US" dirty="0"/>
               <a:pPr/>
-              <a:t>12/10/2017</a:t>
+              <a:t>12/12/2017</a:t>
             </a:fld>
             <a:endParaRPr lang="en-US" dirty="0"/>
           </a:p>
@@ -3425,7 +3432,7 @@
           <a:p>
             <a:fld id="{42A54C80-263E-416B-A8E0-580EDEADCBDC}" type="datetimeFigureOut">
               <a:rPr lang="en-US" dirty="0"/>
-              <a:t>12/10/2017</a:t>
+              <a:t>12/12/2017</a:t>
             </a:fld>
             <a:endParaRPr lang="en-US" dirty="0"/>
           </a:p>
@@ -3795,7 +3802,7 @@
             <a:fld id="{B61BEF0D-F0BB-DE4B-95CE-6DB70DBA9567}" type="datetimeFigureOut">
               <a:rPr lang="en-US" dirty="0"/>
               <a:pPr/>
-              <a:t>12/10/2017</a:t>
+              <a:t>12/12/2017</a:t>
             </a:fld>
             <a:endParaRPr lang="en-US" dirty="0"/>
           </a:p>
@@ -3915,7 +3922,7 @@
             <a:fld id="{B61BEF0D-F0BB-DE4B-95CE-6DB70DBA9567}" type="datetimeFigureOut">
               <a:rPr lang="en-US" dirty="0"/>
               <a:pPr/>
-              <a:t>12/10/2017</a:t>
+              <a:t>12/12/2017</a:t>
             </a:fld>
             <a:endParaRPr lang="en-US" dirty="0"/>
           </a:p>
@@ -4007,7 +4014,7 @@
             <a:fld id="{B61BEF0D-F0BB-DE4B-95CE-6DB70DBA9567}" type="datetimeFigureOut">
               <a:rPr lang="en-US" dirty="0"/>
               <a:pPr/>
-              <a:t>12/10/2017</a:t>
+              <a:t>12/12/2017</a:t>
             </a:fld>
             <a:endParaRPr lang="en-US" dirty="0"/>
           </a:p>
@@ -4258,7 +4265,7 @@
           <a:p>
             <a:fld id="{42A54C80-263E-416B-A8E0-580EDEADCBDC}" type="datetimeFigureOut">
               <a:rPr lang="en-US" dirty="0"/>
-              <a:t>12/10/2017</a:t>
+              <a:t>12/12/2017</a:t>
             </a:fld>
             <a:endParaRPr lang="en-US" dirty="0"/>
           </a:p>
@@ -4560,7 +4567,7 @@
             <a:fld id="{B61BEF0D-F0BB-DE4B-95CE-6DB70DBA9567}" type="datetimeFigureOut">
               <a:rPr lang="en-US" dirty="0"/>
               <a:pPr/>
-              <a:t>12/10/2017</a:t>
+              <a:t>12/12/2017</a:t>
             </a:fld>
             <a:endParaRPr lang="en-US" dirty="0"/>
           </a:p>
@@ -5258,7 +5265,7 @@
             <a:fld id="{B61BEF0D-F0BB-DE4B-95CE-6DB70DBA9567}" type="datetimeFigureOut">
               <a:rPr lang="en-US" dirty="0"/>
               <a:pPr/>
-              <a:t>12/10/2017</a:t>
+              <a:t>12/12/2017</a:t>
             </a:fld>
             <a:endParaRPr lang="en-US" dirty="0"/>
           </a:p>
@@ -5795,7 +5802,7 @@
           <a:p>
             <a:r>
               <a:rPr lang="en-US" dirty="0" smtClean="0"/>
-              <a:t>Database Final Project</a:t>
+              <a:t>Movie Database</a:t>
             </a:r>
             <a:endParaRPr lang="en-US" dirty="0"/>
           </a:p>
@@ -5914,11 +5921,31 @@
             </a:r>
             <a:r>
               <a:rPr lang="en-US" dirty="0"/>
-              <a:t>as a movie compendium that allows clients to search for movies based on many different aspects. It will allow clients to search for movies based on actors, directors, genre, and more. They can also see reviews on movies and sort movies by </a:t>
+              <a:t>as a movie compendium that allows clients to search for movies based on many different </a:t>
             </a:r>
             <a:r>
               <a:rPr lang="en-US" dirty="0" smtClean="0"/>
-              <a:t>rating</a:t>
+              <a:t>aspects.’</a:t>
+            </a:r>
+          </a:p>
+          <a:p>
+            <a:r>
+              <a:rPr lang="en-US" dirty="0" smtClean="0"/>
+              <a:t>It </a:t>
+            </a:r>
+            <a:r>
+              <a:rPr lang="en-US" dirty="0"/>
+              <a:t>will allow clients to search for movies based on actors, directors, genre, and more. They can also see reviews on movies and sort movies by </a:t>
+            </a:r>
+            <a:r>
+              <a:rPr lang="en-US" dirty="0" smtClean="0"/>
+              <a:t>rating.</a:t>
+            </a:r>
+          </a:p>
+          <a:p>
+            <a:r>
+              <a:rPr lang="en-US" dirty="0" smtClean="0"/>
+              <a:t>After finding a certain movie, you can then select that movie and see all of the information pertaining to that movie.</a:t>
             </a:r>
           </a:p>
           <a:p>
@@ -5974,42 +6001,50 @@
           <a:p>
             <a:r>
               <a:rPr lang="en-US" dirty="0" smtClean="0"/>
-              <a:t/>
-            </a:r>
-            <a:br>
+              <a:t>Overview Cont.</a:t>
+            </a:r>
+            <a:endParaRPr lang="en-US" dirty="0"/>
+          </a:p>
+        </p:txBody>
+      </p:sp>
+      <p:sp>
+        <p:nvSpPr>
+          <p:cNvPr id="3" name="Content Placeholder 2"/>
+          <p:cNvSpPr>
+            <a:spLocks noGrp="1"/>
+          </p:cNvSpPr>
+          <p:nvPr>
+            <p:ph idx="1"/>
+          </p:nvPr>
+        </p:nvSpPr>
+        <p:spPr>
+          <a:xfrm>
+            <a:off x="677334" y="3160295"/>
+            <a:ext cx="8596668" cy="2881067"/>
+          </a:xfrm>
+        </p:spPr>
+        <p:txBody>
+          <a:bodyPr/>
+          <a:lstStyle/>
+          <a:p>
+            <a:r>
               <a:rPr lang="en-US" dirty="0" smtClean="0"/>
-            </a:br>
+              <a:t>Users can also add, delete, or update the movies in the database.</a:t>
+            </a:r>
+          </a:p>
+          <a:p>
             <a:r>
               <a:rPr lang="en-US" dirty="0" smtClean="0"/>
-              <a:t>Technical Details</a:t>
-            </a:r>
-            <a:endParaRPr lang="en-US" dirty="0"/>
-          </a:p>
-        </p:txBody>
-      </p:sp>
-      <p:sp>
-        <p:nvSpPr>
-          <p:cNvPr id="3" name="Content Placeholder 2"/>
-          <p:cNvSpPr>
-            <a:spLocks noGrp="1"/>
-          </p:cNvSpPr>
-          <p:nvPr>
-            <p:ph idx="1"/>
-          </p:nvPr>
-        </p:nvSpPr>
-        <p:spPr/>
-        <p:txBody>
-          <a:bodyPr/>
-          <a:lstStyle/>
-          <a:p>
-            <a:endParaRPr lang="en-US"/>
+              <a:t>These changes can affect any aspect of the movie, from title to actors.</a:t>
+            </a:r>
+            <a:endParaRPr lang="en-US" dirty="0"/>
           </a:p>
         </p:txBody>
       </p:sp>
     </p:spTree>
     <p:extLst>
       <p:ext uri="{BB962C8B-B14F-4D97-AF65-F5344CB8AC3E}">
-        <p14:creationId xmlns:p14="http://schemas.microsoft.com/office/powerpoint/2010/main" val="2305907460"/>
+        <p14:creationId xmlns:p14="http://schemas.microsoft.com/office/powerpoint/2010/main" val="1657620746"/>
       </p:ext>
     </p:extLst>
   </p:cSld>
@@ -6053,6 +6088,106 @@
           <a:p>
             <a:r>
               <a:rPr lang="en-US" dirty="0" smtClean="0"/>
+              <a:t/>
+            </a:r>
+            <a:br>
+              <a:rPr lang="en-US" dirty="0" smtClean="0"/>
+            </a:br>
+            <a:r>
+              <a:rPr lang="en-US" dirty="0" smtClean="0"/>
+              <a:t>Technical Details</a:t>
+            </a:r>
+            <a:endParaRPr lang="en-US" dirty="0"/>
+          </a:p>
+        </p:txBody>
+      </p:sp>
+      <p:sp>
+        <p:nvSpPr>
+          <p:cNvPr id="3" name="Content Placeholder 2"/>
+          <p:cNvSpPr>
+            <a:spLocks noGrp="1"/>
+          </p:cNvSpPr>
+          <p:nvPr>
+            <p:ph idx="1"/>
+          </p:nvPr>
+        </p:nvSpPr>
+        <p:spPr/>
+        <p:txBody>
+          <a:bodyPr/>
+          <a:lstStyle/>
+          <a:p>
+            <a:r>
+              <a:rPr lang="en-US" dirty="0" smtClean="0"/>
+              <a:t>We wanted to implement the database in a way that was user friendly, but was easy to implement.</a:t>
+            </a:r>
+          </a:p>
+          <a:p>
+            <a:r>
+              <a:rPr lang="en-US" dirty="0" smtClean="0"/>
+              <a:t>Without a complex search algorithm like what IMDb has that can search, for example, both actors and movies, we needed to have a way to search for certain things individually.</a:t>
+            </a:r>
+          </a:p>
+          <a:p>
+            <a:r>
+              <a:rPr lang="en-US" dirty="0" smtClean="0"/>
+              <a:t>We decided to use a checkbox system that allows the user to select how they are searching for a movie.</a:t>
+            </a:r>
+          </a:p>
+          <a:p>
+            <a:pPr marL="0" indent="0">
+              <a:buNone/>
+            </a:pPr>
+            <a:endParaRPr lang="en-US" dirty="0"/>
+          </a:p>
+        </p:txBody>
+      </p:sp>
+    </p:spTree>
+    <p:extLst>
+      <p:ext uri="{BB962C8B-B14F-4D97-AF65-F5344CB8AC3E}">
+        <p14:creationId xmlns:p14="http://schemas.microsoft.com/office/powerpoint/2010/main" val="2305907460"/>
+      </p:ext>
+    </p:extLst>
+  </p:cSld>
+  <p:clrMapOvr>
+    <a:masterClrMapping/>
+  </p:clrMapOvr>
+</p:sld>
+</file>
+
+<file path=ppt/slides/slide5.xml><?xml version="1.0" encoding="utf-8"?>
+<p:sld xmlns:a="http://schemas.openxmlformats.org/drawingml/2006/main" xmlns:r="http://schemas.openxmlformats.org/officeDocument/2006/relationships" xmlns:p="http://schemas.openxmlformats.org/presentationml/2006/main">
+  <p:cSld>
+    <p:spTree>
+      <p:nvGrpSpPr>
+        <p:cNvPr id="1" name=""/>
+        <p:cNvGrpSpPr/>
+        <p:nvPr/>
+      </p:nvGrpSpPr>
+      <p:grpSpPr>
+        <a:xfrm>
+          <a:off x="0" y="0"/>
+          <a:ext cx="0" cy="0"/>
+          <a:chOff x="0" y="0"/>
+          <a:chExt cx="0" cy="0"/>
+        </a:xfrm>
+      </p:grpSpPr>
+      <p:sp>
+        <p:nvSpPr>
+          <p:cNvPr id="2" name="Title 1"/>
+          <p:cNvSpPr>
+            <a:spLocks noGrp="1"/>
+          </p:cNvSpPr>
+          <p:nvPr>
+            <p:ph type="title"/>
+          </p:nvPr>
+        </p:nvSpPr>
+        <p:spPr/>
+        <p:txBody>
+          <a:bodyPr/>
+          <a:lstStyle/>
+          <a:p>
+            <a:r>
+              <a:rPr lang="en-US" dirty="0" smtClean="0"/>
               <a:t>Target Users</a:t>
             </a:r>
             <a:endParaRPr lang="en-US" dirty="0"/>
@@ -6096,7 +6231,7 @@
           <a:p>
             <a:r>
               <a:rPr lang="en-US" dirty="0" smtClean="0"/>
-              <a:t>This program</a:t>
+              <a:t>This program allows users to easily lookup movies through many different ways.</a:t>
             </a:r>
             <a:endParaRPr lang="en-US" dirty="0"/>
           </a:p>
@@ -6106,6 +6241,119 @@
     <p:extLst>
       <p:ext uri="{BB962C8B-B14F-4D97-AF65-F5344CB8AC3E}">
         <p14:creationId xmlns:p14="http://schemas.microsoft.com/office/powerpoint/2010/main" val="641396332"/>
+      </p:ext>
+    </p:extLst>
+  </p:cSld>
+  <p:clrMapOvr>
+    <a:masterClrMapping/>
+  </p:clrMapOvr>
+</p:sld>
+</file>
+
+<file path=ppt/slides/slide6.xml><?xml version="1.0" encoding="utf-8"?>
+<p:sld xmlns:a="http://schemas.openxmlformats.org/drawingml/2006/main" xmlns:r="http://schemas.openxmlformats.org/officeDocument/2006/relationships" xmlns:p="http://schemas.openxmlformats.org/presentationml/2006/main">
+  <p:cSld>
+    <p:spTree>
+      <p:nvGrpSpPr>
+        <p:cNvPr id="1" name=""/>
+        <p:cNvGrpSpPr/>
+        <p:nvPr/>
+      </p:nvGrpSpPr>
+      <p:grpSpPr>
+        <a:xfrm>
+          <a:off x="0" y="0"/>
+          <a:ext cx="0" cy="0"/>
+          <a:chOff x="0" y="0"/>
+          <a:chExt cx="0" cy="0"/>
+        </a:xfrm>
+      </p:grpSpPr>
+      <p:sp>
+        <p:nvSpPr>
+          <p:cNvPr id="2" name="Title 1"/>
+          <p:cNvSpPr>
+            <a:spLocks noGrp="1"/>
+          </p:cNvSpPr>
+          <p:nvPr>
+            <p:ph type="title"/>
+          </p:nvPr>
+        </p:nvSpPr>
+        <p:spPr/>
+        <p:txBody>
+          <a:bodyPr/>
+          <a:lstStyle/>
+          <a:p>
+            <a:r>
+              <a:rPr lang="en-US" dirty="0" smtClean="0"/>
+              <a:t>Future Expansions</a:t>
+            </a:r>
+            <a:endParaRPr lang="en-US" dirty="0"/>
+          </a:p>
+        </p:txBody>
+      </p:sp>
+      <p:sp>
+        <p:nvSpPr>
+          <p:cNvPr id="3" name="Content Placeholder 2"/>
+          <p:cNvSpPr>
+            <a:spLocks noGrp="1"/>
+          </p:cNvSpPr>
+          <p:nvPr>
+            <p:ph idx="1"/>
+          </p:nvPr>
+        </p:nvSpPr>
+        <p:spPr/>
+        <p:txBody>
+          <a:bodyPr/>
+          <a:lstStyle/>
+          <a:p>
+            <a:r>
+              <a:rPr lang="en-US" dirty="0" smtClean="0"/>
+              <a:t>Allow the ability to search through any combination of search parameters.</a:t>
+            </a:r>
+          </a:p>
+          <a:p>
+            <a:r>
+              <a:rPr lang="en-US" dirty="0" smtClean="0"/>
+              <a:t>Add more error </a:t>
+            </a:r>
+            <a:r>
+              <a:rPr lang="en-US" dirty="0" smtClean="0"/>
+              <a:t>handling for incorrect querying.</a:t>
+            </a:r>
+            <a:endParaRPr lang="en-US" dirty="0" smtClean="0"/>
+          </a:p>
+          <a:p>
+            <a:r>
+              <a:rPr lang="en-US" dirty="0" smtClean="0"/>
+              <a:t>Add the ability to create a favorites list for movies and actors.</a:t>
+            </a:r>
+          </a:p>
+          <a:p>
+            <a:r>
+              <a:rPr lang="en-US" dirty="0" smtClean="0"/>
+              <a:t>Show more information about the movie, like including a poster of the movie</a:t>
+            </a:r>
+            <a:r>
+              <a:rPr lang="en-US" dirty="0" smtClean="0"/>
+              <a:t>.</a:t>
+            </a:r>
+          </a:p>
+          <a:p>
+            <a:r>
+              <a:rPr lang="en-US" dirty="0" smtClean="0"/>
+              <a:t>Add a login for the admin page that would determine what the user can do to </a:t>
+            </a:r>
+            <a:r>
+              <a:rPr lang="en-US" smtClean="0"/>
+              <a:t>the database.</a:t>
+            </a:r>
+            <a:endParaRPr lang="en-US" dirty="0" smtClean="0"/>
+          </a:p>
+        </p:txBody>
+      </p:sp>
+    </p:spTree>
+    <p:extLst>
+      <p:ext uri="{BB962C8B-B14F-4D97-AF65-F5344CB8AC3E}">
+        <p14:creationId xmlns:p14="http://schemas.microsoft.com/office/powerpoint/2010/main" val="3760106467"/>
       </p:ext>
     </p:extLst>
   </p:cSld>
